--- a/slides/2016.11.11_ImageCaptioning/pict.pptx
+++ b/slides/2016.11.11_ImageCaptioning/pict.pptx
@@ -3799,7 +3799,7 @@
       </p:sp>
       <p:grpSp>
         <p:nvGrpSpPr>
-          <p:cNvPr id="1105" name="Группа 1104"/>
+          <p:cNvPr id="2" name="Группа 1"/>
           <p:cNvGrpSpPr/>
           <p:nvPr/>
         </p:nvGrpSpPr>
@@ -10089,11 +10089,7 @@
             <a:p>
               <a:r>
                 <a:rPr lang="en-US" dirty="0" smtClean="0"/>
-                <a:t>is          a      little      </a:t>
-              </a:r>
-              <a:r>
-                <a:rPr lang="en-US" dirty="0" smtClean="0"/>
-                <a:t>tiger ....</a:t>
+                <a:t>is          a      little      tiger ....</a:t>
               </a:r>
               <a:endParaRPr lang="ru-RU" dirty="0"/>
             </a:p>
@@ -11171,19 +11167,7 @@
               </a:r>
               <a:r>
                 <a:rPr lang="en-US" dirty="0" smtClean="0"/>
-                <a:t>          </a:t>
-              </a:r>
-              <a:r>
-                <a:rPr lang="en-US" dirty="0" smtClean="0"/>
-                <a:t>18</a:t>
-              </a:r>
-              <a:r>
-                <a:rPr lang="en-US" dirty="0" smtClean="0"/>
-                <a:t>      3         1021 </a:t>
-              </a:r>
-              <a:r>
-                <a:rPr lang="en-US" dirty="0" smtClean="0"/>
-                <a:t>....</a:t>
+                <a:t>          18      3         1021 ....</a:t>
               </a:r>
               <a:endParaRPr lang="ru-RU" dirty="0"/>
             </a:p>
@@ -14619,18 +14603,7 @@
                             <a:ea typeface="Marion" charset="0"/>
                             <a:cs typeface="Marion" charset="0"/>
                           </a:rPr>
-                          <m:t>;</m:t>
-                        </m:r>
-                        <m:r>
-                          <m:rPr>
-                            <m:nor/>
-                          </m:rPr>
-                          <a:rPr lang="en-US" b="0" i="0" dirty="0" smtClean="0">
-                            <a:latin typeface="Marion" charset="0"/>
-                            <a:ea typeface="Marion" charset="0"/>
-                            <a:cs typeface="Marion" charset="0"/>
-                          </a:rPr>
-                          <m:t> </m:t>
+                          <m:t>; </m:t>
                         </m:r>
                         <m:r>
                           <m:rPr>
